--- a/ppt 16-9/0520.认识自己.pptx
+++ b/ppt 16-9/0520.认识自己.pptx
@@ -5,7 +5,7 @@
     <p:sldMasterId id="2147483648" r:id="rId1"/>
   </p:sldMasterIdLst>
   <p:sldIdLst>
-    <p:sldId id="2251" r:id="rId2"/>
+    <p:sldId id="2252" r:id="rId2"/>
   </p:sldIdLst>
   <p:sldSz cx="12192000" cy="6858000"/>
   <p:notesSz cx="6858000" cy="9144000"/>
@@ -129,7 +129,7 @@
           <p:cNvPr id="2" name="标题 1">
             <a:extLst>
               <a:ext uri="{FF2B5EF4-FFF2-40B4-BE49-F238E27FC236}">
-                <a16:creationId xmlns:a16="http://schemas.microsoft.com/office/drawing/2014/main" id="{435C12B2-2856-0478-2131-8E1CFBEEF48B}"/>
+                <a16:creationId xmlns:a16="http://schemas.microsoft.com/office/drawing/2014/main" id="{9A2CA769-0B33-4EA7-2411-086AF9D6E81A}"/>
               </a:ext>
             </a:extLst>
           </p:cNvPr>
@@ -166,7 +166,7 @@
           <p:cNvPr id="3" name="副标题 2">
             <a:extLst>
               <a:ext uri="{FF2B5EF4-FFF2-40B4-BE49-F238E27FC236}">
-                <a16:creationId xmlns:a16="http://schemas.microsoft.com/office/drawing/2014/main" id="{F32A431B-5E35-9BD4-397D-50F8EA58F53E}"/>
+                <a16:creationId xmlns:a16="http://schemas.microsoft.com/office/drawing/2014/main" id="{94ABEF4B-33DF-6A81-67DA-46826B583937}"/>
               </a:ext>
             </a:extLst>
           </p:cNvPr>
@@ -236,7 +236,7 @@
           <p:cNvPr id="4" name="日期占位符 3">
             <a:extLst>
               <a:ext uri="{FF2B5EF4-FFF2-40B4-BE49-F238E27FC236}">
-                <a16:creationId xmlns:a16="http://schemas.microsoft.com/office/drawing/2014/main" id="{1CDCB546-EC34-7518-FF1F-FFC5D9BAEB96}"/>
+                <a16:creationId xmlns:a16="http://schemas.microsoft.com/office/drawing/2014/main" id="{A72190FB-5854-AD29-EF58-9DA12BD326B6}"/>
               </a:ext>
             </a:extLst>
           </p:cNvPr>
@@ -252,7 +252,7 @@
           <a:bodyPr/>
           <a:lstStyle/>
           <a:p>
-            <a:fld id="{10F4A9CA-1886-4D15-96C1-0608A9A83042}" type="datetimeFigureOut">
+            <a:fld id="{7357C7DE-D3DA-4DC5-B0DD-97060607020B}" type="datetimeFigureOut">
               <a:rPr lang="zh-CN" altLang="en-US" smtClean="0"/>
               <a:t>2024/3/10</a:t>
             </a:fld>
@@ -265,7 +265,7 @@
           <p:cNvPr id="5" name="页脚占位符 4">
             <a:extLst>
               <a:ext uri="{FF2B5EF4-FFF2-40B4-BE49-F238E27FC236}">
-                <a16:creationId xmlns:a16="http://schemas.microsoft.com/office/drawing/2014/main" id="{97F84FB1-47E3-99E2-A97B-49D020F98221}"/>
+                <a16:creationId xmlns:a16="http://schemas.microsoft.com/office/drawing/2014/main" id="{84AD110E-CBC8-45D7-C81C-E73B4DEAE7F7}"/>
               </a:ext>
             </a:extLst>
           </p:cNvPr>
@@ -290,7 +290,7 @@
           <p:cNvPr id="6" name="灯片编号占位符 5">
             <a:extLst>
               <a:ext uri="{FF2B5EF4-FFF2-40B4-BE49-F238E27FC236}">
-                <a16:creationId xmlns:a16="http://schemas.microsoft.com/office/drawing/2014/main" id="{4BDEA61A-9C07-2B28-F028-815B9CF54484}"/>
+                <a16:creationId xmlns:a16="http://schemas.microsoft.com/office/drawing/2014/main" id="{21F6AF64-680A-C5D9-CA00-CBEDFD3F0B34}"/>
               </a:ext>
             </a:extLst>
           </p:cNvPr>
@@ -306,7 +306,7 @@
           <a:bodyPr/>
           <a:lstStyle/>
           <a:p>
-            <a:fld id="{C839FAEE-70CE-4640-9796-72CA74BC8A2D}" type="slidenum">
+            <a:fld id="{A02D3F50-F1DA-4B9C-8512-A0B21D8DD307}" type="slidenum">
               <a:rPr lang="zh-CN" altLang="en-US" smtClean="0"/>
               <a:t>‹#›</a:t>
             </a:fld>
@@ -317,7 +317,7 @@
     </p:spTree>
     <p:extLst>
       <p:ext uri="{BB962C8B-B14F-4D97-AF65-F5344CB8AC3E}">
-        <p14:creationId xmlns:p14="http://schemas.microsoft.com/office/powerpoint/2010/main" val="3677602205"/>
+        <p14:creationId xmlns:p14="http://schemas.microsoft.com/office/powerpoint/2010/main" val="2640915301"/>
       </p:ext>
     </p:extLst>
   </p:cSld>
@@ -349,7 +349,7 @@
           <p:cNvPr id="2" name="标题 1">
             <a:extLst>
               <a:ext uri="{FF2B5EF4-FFF2-40B4-BE49-F238E27FC236}">
-                <a16:creationId xmlns:a16="http://schemas.microsoft.com/office/drawing/2014/main" id="{1549FD43-7825-D7C1-6623-B09910AB8F6D}"/>
+                <a16:creationId xmlns:a16="http://schemas.microsoft.com/office/drawing/2014/main" id="{F00BDD71-0877-0A04-C6D7-5D8379172267}"/>
               </a:ext>
             </a:extLst>
           </p:cNvPr>
@@ -377,7 +377,7 @@
           <p:cNvPr id="3" name="竖排文字占位符 2">
             <a:extLst>
               <a:ext uri="{FF2B5EF4-FFF2-40B4-BE49-F238E27FC236}">
-                <a16:creationId xmlns:a16="http://schemas.microsoft.com/office/drawing/2014/main" id="{CF0FF050-5215-241C-C1CA-99274DC72718}"/>
+                <a16:creationId xmlns:a16="http://schemas.microsoft.com/office/drawing/2014/main" id="{C293D528-C913-293E-907F-F8289FFC0425}"/>
               </a:ext>
             </a:extLst>
           </p:cNvPr>
@@ -434,7 +434,7 @@
           <p:cNvPr id="4" name="日期占位符 3">
             <a:extLst>
               <a:ext uri="{FF2B5EF4-FFF2-40B4-BE49-F238E27FC236}">
-                <a16:creationId xmlns:a16="http://schemas.microsoft.com/office/drawing/2014/main" id="{B1B31775-6368-EADF-AF1D-308F0FB0C524}"/>
+                <a16:creationId xmlns:a16="http://schemas.microsoft.com/office/drawing/2014/main" id="{49AD07B5-7DD5-D3DA-A9D0-972EB77F6AFE}"/>
               </a:ext>
             </a:extLst>
           </p:cNvPr>
@@ -450,7 +450,7 @@
           <a:bodyPr/>
           <a:lstStyle/>
           <a:p>
-            <a:fld id="{10F4A9CA-1886-4D15-96C1-0608A9A83042}" type="datetimeFigureOut">
+            <a:fld id="{7357C7DE-D3DA-4DC5-B0DD-97060607020B}" type="datetimeFigureOut">
               <a:rPr lang="zh-CN" altLang="en-US" smtClean="0"/>
               <a:t>2024/3/10</a:t>
             </a:fld>
@@ -463,7 +463,7 @@
           <p:cNvPr id="5" name="页脚占位符 4">
             <a:extLst>
               <a:ext uri="{FF2B5EF4-FFF2-40B4-BE49-F238E27FC236}">
-                <a16:creationId xmlns:a16="http://schemas.microsoft.com/office/drawing/2014/main" id="{038DA073-7346-3D89-4565-835BFB105B22}"/>
+                <a16:creationId xmlns:a16="http://schemas.microsoft.com/office/drawing/2014/main" id="{D9013F88-F11E-7ACE-E4F6-519F30522E2B}"/>
               </a:ext>
             </a:extLst>
           </p:cNvPr>
@@ -488,7 +488,7 @@
           <p:cNvPr id="6" name="灯片编号占位符 5">
             <a:extLst>
               <a:ext uri="{FF2B5EF4-FFF2-40B4-BE49-F238E27FC236}">
-                <a16:creationId xmlns:a16="http://schemas.microsoft.com/office/drawing/2014/main" id="{6E6B4077-14BC-85B1-8FBE-D3F7181203BD}"/>
+                <a16:creationId xmlns:a16="http://schemas.microsoft.com/office/drawing/2014/main" id="{4856A88D-EAF7-4B58-22E1-4A43BBFF8BA5}"/>
               </a:ext>
             </a:extLst>
           </p:cNvPr>
@@ -504,7 +504,7 @@
           <a:bodyPr/>
           <a:lstStyle/>
           <a:p>
-            <a:fld id="{C839FAEE-70CE-4640-9796-72CA74BC8A2D}" type="slidenum">
+            <a:fld id="{A02D3F50-F1DA-4B9C-8512-A0B21D8DD307}" type="slidenum">
               <a:rPr lang="zh-CN" altLang="en-US" smtClean="0"/>
               <a:t>‹#›</a:t>
             </a:fld>
@@ -515,7 +515,7 @@
     </p:spTree>
     <p:extLst>
       <p:ext uri="{BB962C8B-B14F-4D97-AF65-F5344CB8AC3E}">
-        <p14:creationId xmlns:p14="http://schemas.microsoft.com/office/powerpoint/2010/main" val="3115458521"/>
+        <p14:creationId xmlns:p14="http://schemas.microsoft.com/office/powerpoint/2010/main" val="2946644636"/>
       </p:ext>
     </p:extLst>
   </p:cSld>
@@ -547,7 +547,7 @@
           <p:cNvPr id="2" name="竖排标题 1">
             <a:extLst>
               <a:ext uri="{FF2B5EF4-FFF2-40B4-BE49-F238E27FC236}">
-                <a16:creationId xmlns:a16="http://schemas.microsoft.com/office/drawing/2014/main" id="{5B10F1C5-EB7F-CD87-71B1-9EFE737A0285}"/>
+                <a16:creationId xmlns:a16="http://schemas.microsoft.com/office/drawing/2014/main" id="{CF116C8E-D903-BD0A-B4CA-28D12B176248}"/>
               </a:ext>
             </a:extLst>
           </p:cNvPr>
@@ -580,7 +580,7 @@
           <p:cNvPr id="3" name="竖排文字占位符 2">
             <a:extLst>
               <a:ext uri="{FF2B5EF4-FFF2-40B4-BE49-F238E27FC236}">
-                <a16:creationId xmlns:a16="http://schemas.microsoft.com/office/drawing/2014/main" id="{2B30B01F-E6BA-10BC-E80F-6D9F15BB2740}"/>
+                <a16:creationId xmlns:a16="http://schemas.microsoft.com/office/drawing/2014/main" id="{E5748505-1E40-2248-E6B5-38EA34A72F6D}"/>
               </a:ext>
             </a:extLst>
           </p:cNvPr>
@@ -642,7 +642,7 @@
           <p:cNvPr id="4" name="日期占位符 3">
             <a:extLst>
               <a:ext uri="{FF2B5EF4-FFF2-40B4-BE49-F238E27FC236}">
-                <a16:creationId xmlns:a16="http://schemas.microsoft.com/office/drawing/2014/main" id="{24994294-D6F5-0956-B3DA-BCC77AB26A78}"/>
+                <a16:creationId xmlns:a16="http://schemas.microsoft.com/office/drawing/2014/main" id="{F5441394-A9CF-8BFC-4E1C-5BDA319B5D8F}"/>
               </a:ext>
             </a:extLst>
           </p:cNvPr>
@@ -658,7 +658,7 @@
           <a:bodyPr/>
           <a:lstStyle/>
           <a:p>
-            <a:fld id="{10F4A9CA-1886-4D15-96C1-0608A9A83042}" type="datetimeFigureOut">
+            <a:fld id="{7357C7DE-D3DA-4DC5-B0DD-97060607020B}" type="datetimeFigureOut">
               <a:rPr lang="zh-CN" altLang="en-US" smtClean="0"/>
               <a:t>2024/3/10</a:t>
             </a:fld>
@@ -671,7 +671,7 @@
           <p:cNvPr id="5" name="页脚占位符 4">
             <a:extLst>
               <a:ext uri="{FF2B5EF4-FFF2-40B4-BE49-F238E27FC236}">
-                <a16:creationId xmlns:a16="http://schemas.microsoft.com/office/drawing/2014/main" id="{15DE0FF0-C661-8409-F3F1-E717929383DF}"/>
+                <a16:creationId xmlns:a16="http://schemas.microsoft.com/office/drawing/2014/main" id="{C89CC851-0DED-8B45-6C7E-97109563345F}"/>
               </a:ext>
             </a:extLst>
           </p:cNvPr>
@@ -696,7 +696,7 @@
           <p:cNvPr id="6" name="灯片编号占位符 5">
             <a:extLst>
               <a:ext uri="{FF2B5EF4-FFF2-40B4-BE49-F238E27FC236}">
-                <a16:creationId xmlns:a16="http://schemas.microsoft.com/office/drawing/2014/main" id="{84A042AA-DFE0-AB61-067C-6C1761E7B266}"/>
+                <a16:creationId xmlns:a16="http://schemas.microsoft.com/office/drawing/2014/main" id="{326882FD-ED9C-88EA-687A-EA45190043F3}"/>
               </a:ext>
             </a:extLst>
           </p:cNvPr>
@@ -712,7 +712,7 @@
           <a:bodyPr/>
           <a:lstStyle/>
           <a:p>
-            <a:fld id="{C839FAEE-70CE-4640-9796-72CA74BC8A2D}" type="slidenum">
+            <a:fld id="{A02D3F50-F1DA-4B9C-8512-A0B21D8DD307}" type="slidenum">
               <a:rPr lang="zh-CN" altLang="en-US" smtClean="0"/>
               <a:t>‹#›</a:t>
             </a:fld>
@@ -723,7 +723,7 @@
     </p:spTree>
     <p:extLst>
       <p:ext uri="{BB962C8B-B14F-4D97-AF65-F5344CB8AC3E}">
-        <p14:creationId xmlns:p14="http://schemas.microsoft.com/office/powerpoint/2010/main" val="2109550880"/>
+        <p14:creationId xmlns:p14="http://schemas.microsoft.com/office/powerpoint/2010/main" val="3424946674"/>
       </p:ext>
     </p:extLst>
   </p:cSld>
@@ -755,7 +755,7 @@
           <p:cNvPr id="2" name="标题 1">
             <a:extLst>
               <a:ext uri="{FF2B5EF4-FFF2-40B4-BE49-F238E27FC236}">
-                <a16:creationId xmlns:a16="http://schemas.microsoft.com/office/drawing/2014/main" id="{F9B4CC6E-1642-15BC-258C-E9A973A6D431}"/>
+                <a16:creationId xmlns:a16="http://schemas.microsoft.com/office/drawing/2014/main" id="{702297A3-2FC2-C687-1ED4-50D1AB53C187}"/>
               </a:ext>
             </a:extLst>
           </p:cNvPr>
@@ -783,7 +783,7 @@
           <p:cNvPr id="3" name="内容占位符 2">
             <a:extLst>
               <a:ext uri="{FF2B5EF4-FFF2-40B4-BE49-F238E27FC236}">
-                <a16:creationId xmlns:a16="http://schemas.microsoft.com/office/drawing/2014/main" id="{330C0923-1826-F0EF-CBC5-4BED5C6BA7C0}"/>
+                <a16:creationId xmlns:a16="http://schemas.microsoft.com/office/drawing/2014/main" id="{2283BB98-F6CE-521A-D117-52BDB73BB71A}"/>
               </a:ext>
             </a:extLst>
           </p:cNvPr>
@@ -840,7 +840,7 @@
           <p:cNvPr id="4" name="日期占位符 3">
             <a:extLst>
               <a:ext uri="{FF2B5EF4-FFF2-40B4-BE49-F238E27FC236}">
-                <a16:creationId xmlns:a16="http://schemas.microsoft.com/office/drawing/2014/main" id="{C687A551-17C1-7547-2A14-F9A1DBA35587}"/>
+                <a16:creationId xmlns:a16="http://schemas.microsoft.com/office/drawing/2014/main" id="{692D028D-FED9-5BC6-FD78-E6CE7F361A2D}"/>
               </a:ext>
             </a:extLst>
           </p:cNvPr>
@@ -856,7 +856,7 @@
           <a:bodyPr/>
           <a:lstStyle/>
           <a:p>
-            <a:fld id="{10F4A9CA-1886-4D15-96C1-0608A9A83042}" type="datetimeFigureOut">
+            <a:fld id="{7357C7DE-D3DA-4DC5-B0DD-97060607020B}" type="datetimeFigureOut">
               <a:rPr lang="zh-CN" altLang="en-US" smtClean="0"/>
               <a:t>2024/3/10</a:t>
             </a:fld>
@@ -869,7 +869,7 @@
           <p:cNvPr id="5" name="页脚占位符 4">
             <a:extLst>
               <a:ext uri="{FF2B5EF4-FFF2-40B4-BE49-F238E27FC236}">
-                <a16:creationId xmlns:a16="http://schemas.microsoft.com/office/drawing/2014/main" id="{BA342BF1-8EEE-ED30-CA6D-14C082B89274}"/>
+                <a16:creationId xmlns:a16="http://schemas.microsoft.com/office/drawing/2014/main" id="{624E00A6-4AB9-9066-DE35-7289A991C85C}"/>
               </a:ext>
             </a:extLst>
           </p:cNvPr>
@@ -894,7 +894,7 @@
           <p:cNvPr id="6" name="灯片编号占位符 5">
             <a:extLst>
               <a:ext uri="{FF2B5EF4-FFF2-40B4-BE49-F238E27FC236}">
-                <a16:creationId xmlns:a16="http://schemas.microsoft.com/office/drawing/2014/main" id="{0CD5921E-A234-1FE6-C29B-3D42B090E6F2}"/>
+                <a16:creationId xmlns:a16="http://schemas.microsoft.com/office/drawing/2014/main" id="{ECD930DD-A628-D7A0-9946-25E2DC0E49D6}"/>
               </a:ext>
             </a:extLst>
           </p:cNvPr>
@@ -910,7 +910,7 @@
           <a:bodyPr/>
           <a:lstStyle/>
           <a:p>
-            <a:fld id="{C839FAEE-70CE-4640-9796-72CA74BC8A2D}" type="slidenum">
+            <a:fld id="{A02D3F50-F1DA-4B9C-8512-A0B21D8DD307}" type="slidenum">
               <a:rPr lang="zh-CN" altLang="en-US" smtClean="0"/>
               <a:t>‹#›</a:t>
             </a:fld>
@@ -921,7 +921,7 @@
     </p:spTree>
     <p:extLst>
       <p:ext uri="{BB962C8B-B14F-4D97-AF65-F5344CB8AC3E}">
-        <p14:creationId xmlns:p14="http://schemas.microsoft.com/office/powerpoint/2010/main" val="4268235422"/>
+        <p14:creationId xmlns:p14="http://schemas.microsoft.com/office/powerpoint/2010/main" val="1953868564"/>
       </p:ext>
     </p:extLst>
   </p:cSld>
@@ -953,7 +953,7 @@
           <p:cNvPr id="2" name="标题 1">
             <a:extLst>
               <a:ext uri="{FF2B5EF4-FFF2-40B4-BE49-F238E27FC236}">
-                <a16:creationId xmlns:a16="http://schemas.microsoft.com/office/drawing/2014/main" id="{B94BCF23-E52D-E262-5318-DE5E7266E665}"/>
+                <a16:creationId xmlns:a16="http://schemas.microsoft.com/office/drawing/2014/main" id="{514A0E3D-064B-E381-B842-13D645AC564B}"/>
               </a:ext>
             </a:extLst>
           </p:cNvPr>
@@ -990,7 +990,7 @@
           <p:cNvPr id="3" name="文本占位符 2">
             <a:extLst>
               <a:ext uri="{FF2B5EF4-FFF2-40B4-BE49-F238E27FC236}">
-                <a16:creationId xmlns:a16="http://schemas.microsoft.com/office/drawing/2014/main" id="{D3160C6F-6E96-3190-0912-14C490893D4C}"/>
+                <a16:creationId xmlns:a16="http://schemas.microsoft.com/office/drawing/2014/main" id="{87781F87-0639-7AEB-90B4-215A28C01E79}"/>
               </a:ext>
             </a:extLst>
           </p:cNvPr>
@@ -1115,7 +1115,7 @@
           <p:cNvPr id="4" name="日期占位符 3">
             <a:extLst>
               <a:ext uri="{FF2B5EF4-FFF2-40B4-BE49-F238E27FC236}">
-                <a16:creationId xmlns:a16="http://schemas.microsoft.com/office/drawing/2014/main" id="{E1BD5D57-41FB-86A4-EF39-A1F1EA3D505D}"/>
+                <a16:creationId xmlns:a16="http://schemas.microsoft.com/office/drawing/2014/main" id="{0CBDAF0A-765D-A9E3-A2C9-1D3EB86A5853}"/>
               </a:ext>
             </a:extLst>
           </p:cNvPr>
@@ -1131,7 +1131,7 @@
           <a:bodyPr/>
           <a:lstStyle/>
           <a:p>
-            <a:fld id="{10F4A9CA-1886-4D15-96C1-0608A9A83042}" type="datetimeFigureOut">
+            <a:fld id="{7357C7DE-D3DA-4DC5-B0DD-97060607020B}" type="datetimeFigureOut">
               <a:rPr lang="zh-CN" altLang="en-US" smtClean="0"/>
               <a:t>2024/3/10</a:t>
             </a:fld>
@@ -1144,7 +1144,7 @@
           <p:cNvPr id="5" name="页脚占位符 4">
             <a:extLst>
               <a:ext uri="{FF2B5EF4-FFF2-40B4-BE49-F238E27FC236}">
-                <a16:creationId xmlns:a16="http://schemas.microsoft.com/office/drawing/2014/main" id="{851BED34-240C-5C35-6245-B748ACED521F}"/>
+                <a16:creationId xmlns:a16="http://schemas.microsoft.com/office/drawing/2014/main" id="{30C32B88-BA9D-B937-E12E-76186218CEE4}"/>
               </a:ext>
             </a:extLst>
           </p:cNvPr>
@@ -1169,7 +1169,7 @@
           <p:cNvPr id="6" name="灯片编号占位符 5">
             <a:extLst>
               <a:ext uri="{FF2B5EF4-FFF2-40B4-BE49-F238E27FC236}">
-                <a16:creationId xmlns:a16="http://schemas.microsoft.com/office/drawing/2014/main" id="{DEC5F89A-0312-D225-4C35-226A60A69F22}"/>
+                <a16:creationId xmlns:a16="http://schemas.microsoft.com/office/drawing/2014/main" id="{46B50700-9893-59DD-B2D5-A5533627457C}"/>
               </a:ext>
             </a:extLst>
           </p:cNvPr>
@@ -1185,7 +1185,7 @@
           <a:bodyPr/>
           <a:lstStyle/>
           <a:p>
-            <a:fld id="{C839FAEE-70CE-4640-9796-72CA74BC8A2D}" type="slidenum">
+            <a:fld id="{A02D3F50-F1DA-4B9C-8512-A0B21D8DD307}" type="slidenum">
               <a:rPr lang="zh-CN" altLang="en-US" smtClean="0"/>
               <a:t>‹#›</a:t>
             </a:fld>
@@ -1196,7 +1196,7 @@
     </p:spTree>
     <p:extLst>
       <p:ext uri="{BB962C8B-B14F-4D97-AF65-F5344CB8AC3E}">
-        <p14:creationId xmlns:p14="http://schemas.microsoft.com/office/powerpoint/2010/main" val="725133219"/>
+        <p14:creationId xmlns:p14="http://schemas.microsoft.com/office/powerpoint/2010/main" val="3914221247"/>
       </p:ext>
     </p:extLst>
   </p:cSld>
@@ -1228,7 +1228,7 @@
           <p:cNvPr id="2" name="标题 1">
             <a:extLst>
               <a:ext uri="{FF2B5EF4-FFF2-40B4-BE49-F238E27FC236}">
-                <a16:creationId xmlns:a16="http://schemas.microsoft.com/office/drawing/2014/main" id="{E6556423-0CB1-DF60-1527-E10F4C929F9B}"/>
+                <a16:creationId xmlns:a16="http://schemas.microsoft.com/office/drawing/2014/main" id="{C4A95C5A-E590-E533-2243-F3E2BFDED689}"/>
               </a:ext>
             </a:extLst>
           </p:cNvPr>
@@ -1256,7 +1256,7 @@
           <p:cNvPr id="3" name="内容占位符 2">
             <a:extLst>
               <a:ext uri="{FF2B5EF4-FFF2-40B4-BE49-F238E27FC236}">
-                <a16:creationId xmlns:a16="http://schemas.microsoft.com/office/drawing/2014/main" id="{8DCEBB3A-6B8D-8897-41E5-DE038D08D11F}"/>
+                <a16:creationId xmlns:a16="http://schemas.microsoft.com/office/drawing/2014/main" id="{B0EC5468-3F87-ED1E-4BAB-4DBACC09D872}"/>
               </a:ext>
             </a:extLst>
           </p:cNvPr>
@@ -1318,7 +1318,7 @@
           <p:cNvPr id="4" name="内容占位符 3">
             <a:extLst>
               <a:ext uri="{FF2B5EF4-FFF2-40B4-BE49-F238E27FC236}">
-                <a16:creationId xmlns:a16="http://schemas.microsoft.com/office/drawing/2014/main" id="{8D0B9BF9-3DA8-4A7C-99CF-780515F1117E}"/>
+                <a16:creationId xmlns:a16="http://schemas.microsoft.com/office/drawing/2014/main" id="{623B9560-A952-3A32-5938-2B1A1828F7F2}"/>
               </a:ext>
             </a:extLst>
           </p:cNvPr>
@@ -1380,7 +1380,7 @@
           <p:cNvPr id="5" name="日期占位符 4">
             <a:extLst>
               <a:ext uri="{FF2B5EF4-FFF2-40B4-BE49-F238E27FC236}">
-                <a16:creationId xmlns:a16="http://schemas.microsoft.com/office/drawing/2014/main" id="{71099138-D33C-2D4B-48E5-18400928EACF}"/>
+                <a16:creationId xmlns:a16="http://schemas.microsoft.com/office/drawing/2014/main" id="{DE343EAD-1622-FB45-3F28-B16872866978}"/>
               </a:ext>
             </a:extLst>
           </p:cNvPr>
@@ -1396,7 +1396,7 @@
           <a:bodyPr/>
           <a:lstStyle/>
           <a:p>
-            <a:fld id="{10F4A9CA-1886-4D15-96C1-0608A9A83042}" type="datetimeFigureOut">
+            <a:fld id="{7357C7DE-D3DA-4DC5-B0DD-97060607020B}" type="datetimeFigureOut">
               <a:rPr lang="zh-CN" altLang="en-US" smtClean="0"/>
               <a:t>2024/3/10</a:t>
             </a:fld>
@@ -1409,7 +1409,7 @@
           <p:cNvPr id="6" name="页脚占位符 5">
             <a:extLst>
               <a:ext uri="{FF2B5EF4-FFF2-40B4-BE49-F238E27FC236}">
-                <a16:creationId xmlns:a16="http://schemas.microsoft.com/office/drawing/2014/main" id="{0E61C6A5-867F-FCF1-4E12-F28264E454A0}"/>
+                <a16:creationId xmlns:a16="http://schemas.microsoft.com/office/drawing/2014/main" id="{D92AD0F8-4D51-1881-ABC0-8BE1B28F90C7}"/>
               </a:ext>
             </a:extLst>
           </p:cNvPr>
@@ -1434,7 +1434,7 @@
           <p:cNvPr id="7" name="灯片编号占位符 6">
             <a:extLst>
               <a:ext uri="{FF2B5EF4-FFF2-40B4-BE49-F238E27FC236}">
-                <a16:creationId xmlns:a16="http://schemas.microsoft.com/office/drawing/2014/main" id="{2D5B78B2-3A41-693C-BDF4-B7928BE4A47E}"/>
+                <a16:creationId xmlns:a16="http://schemas.microsoft.com/office/drawing/2014/main" id="{3097F3A2-A300-B1F8-10DF-D6E4761F48D7}"/>
               </a:ext>
             </a:extLst>
           </p:cNvPr>
@@ -1450,7 +1450,7 @@
           <a:bodyPr/>
           <a:lstStyle/>
           <a:p>
-            <a:fld id="{C839FAEE-70CE-4640-9796-72CA74BC8A2D}" type="slidenum">
+            <a:fld id="{A02D3F50-F1DA-4B9C-8512-A0B21D8DD307}" type="slidenum">
               <a:rPr lang="zh-CN" altLang="en-US" smtClean="0"/>
               <a:t>‹#›</a:t>
             </a:fld>
@@ -1461,7 +1461,7 @@
     </p:spTree>
     <p:extLst>
       <p:ext uri="{BB962C8B-B14F-4D97-AF65-F5344CB8AC3E}">
-        <p14:creationId xmlns:p14="http://schemas.microsoft.com/office/powerpoint/2010/main" val="3739874447"/>
+        <p14:creationId xmlns:p14="http://schemas.microsoft.com/office/powerpoint/2010/main" val="932836494"/>
       </p:ext>
     </p:extLst>
   </p:cSld>
@@ -1493,7 +1493,7 @@
           <p:cNvPr id="2" name="标题 1">
             <a:extLst>
               <a:ext uri="{FF2B5EF4-FFF2-40B4-BE49-F238E27FC236}">
-                <a16:creationId xmlns:a16="http://schemas.microsoft.com/office/drawing/2014/main" id="{614E4C95-03EB-FB9B-4778-6A0E5A2A5481}"/>
+                <a16:creationId xmlns:a16="http://schemas.microsoft.com/office/drawing/2014/main" id="{9506FA7C-68EE-93DA-7CCD-F313F828EC46}"/>
               </a:ext>
             </a:extLst>
           </p:cNvPr>
@@ -1526,7 +1526,7 @@
           <p:cNvPr id="3" name="文本占位符 2">
             <a:extLst>
               <a:ext uri="{FF2B5EF4-FFF2-40B4-BE49-F238E27FC236}">
-                <a16:creationId xmlns:a16="http://schemas.microsoft.com/office/drawing/2014/main" id="{9DC7A654-F070-E36B-F8E7-8394E343EEFD}"/>
+                <a16:creationId xmlns:a16="http://schemas.microsoft.com/office/drawing/2014/main" id="{8F9E5F36-B10C-7D45-5BBF-A727656C3ED4}"/>
               </a:ext>
             </a:extLst>
           </p:cNvPr>
@@ -1597,7 +1597,7 @@
           <p:cNvPr id="4" name="内容占位符 3">
             <a:extLst>
               <a:ext uri="{FF2B5EF4-FFF2-40B4-BE49-F238E27FC236}">
-                <a16:creationId xmlns:a16="http://schemas.microsoft.com/office/drawing/2014/main" id="{961EFDE2-3B76-BDA7-F1F0-FCCFBD20191F}"/>
+                <a16:creationId xmlns:a16="http://schemas.microsoft.com/office/drawing/2014/main" id="{1A81D168-223A-4F97-CC08-6EC514E36A1C}"/>
               </a:ext>
             </a:extLst>
           </p:cNvPr>
@@ -1659,7 +1659,7 @@
           <p:cNvPr id="5" name="文本占位符 4">
             <a:extLst>
               <a:ext uri="{FF2B5EF4-FFF2-40B4-BE49-F238E27FC236}">
-                <a16:creationId xmlns:a16="http://schemas.microsoft.com/office/drawing/2014/main" id="{87684121-C151-1CF7-AA36-A3BB5451B45F}"/>
+                <a16:creationId xmlns:a16="http://schemas.microsoft.com/office/drawing/2014/main" id="{CCC750CC-03AB-AE2B-99B4-909566DB9238}"/>
               </a:ext>
             </a:extLst>
           </p:cNvPr>
@@ -1730,7 +1730,7 @@
           <p:cNvPr id="6" name="内容占位符 5">
             <a:extLst>
               <a:ext uri="{FF2B5EF4-FFF2-40B4-BE49-F238E27FC236}">
-                <a16:creationId xmlns:a16="http://schemas.microsoft.com/office/drawing/2014/main" id="{9620E889-83F1-A85E-410B-857DEE57AB1C}"/>
+                <a16:creationId xmlns:a16="http://schemas.microsoft.com/office/drawing/2014/main" id="{B2A89A54-EB2D-2B4D-A4D9-194018DEE9DF}"/>
               </a:ext>
             </a:extLst>
           </p:cNvPr>
@@ -1792,7 +1792,7 @@
           <p:cNvPr id="7" name="日期占位符 6">
             <a:extLst>
               <a:ext uri="{FF2B5EF4-FFF2-40B4-BE49-F238E27FC236}">
-                <a16:creationId xmlns:a16="http://schemas.microsoft.com/office/drawing/2014/main" id="{2C0BF278-39AB-08E8-B179-35DCA419D566}"/>
+                <a16:creationId xmlns:a16="http://schemas.microsoft.com/office/drawing/2014/main" id="{09632802-6F05-8BD5-2503-BC1055D080C8}"/>
               </a:ext>
             </a:extLst>
           </p:cNvPr>
@@ -1808,7 +1808,7 @@
           <a:bodyPr/>
           <a:lstStyle/>
           <a:p>
-            <a:fld id="{10F4A9CA-1886-4D15-96C1-0608A9A83042}" type="datetimeFigureOut">
+            <a:fld id="{7357C7DE-D3DA-4DC5-B0DD-97060607020B}" type="datetimeFigureOut">
               <a:rPr lang="zh-CN" altLang="en-US" smtClean="0"/>
               <a:t>2024/3/10</a:t>
             </a:fld>
@@ -1821,7 +1821,7 @@
           <p:cNvPr id="8" name="页脚占位符 7">
             <a:extLst>
               <a:ext uri="{FF2B5EF4-FFF2-40B4-BE49-F238E27FC236}">
-                <a16:creationId xmlns:a16="http://schemas.microsoft.com/office/drawing/2014/main" id="{9FA5E94F-65C5-DCE7-E25E-1CBD0F9B5696}"/>
+                <a16:creationId xmlns:a16="http://schemas.microsoft.com/office/drawing/2014/main" id="{12555C40-155E-8210-88B1-5602B04D5220}"/>
               </a:ext>
             </a:extLst>
           </p:cNvPr>
@@ -1846,7 +1846,7 @@
           <p:cNvPr id="9" name="灯片编号占位符 8">
             <a:extLst>
               <a:ext uri="{FF2B5EF4-FFF2-40B4-BE49-F238E27FC236}">
-                <a16:creationId xmlns:a16="http://schemas.microsoft.com/office/drawing/2014/main" id="{76B7397C-96D4-DD0F-9CB0-1BB8F944903B}"/>
+                <a16:creationId xmlns:a16="http://schemas.microsoft.com/office/drawing/2014/main" id="{EFC74BBC-12BC-28E7-538C-A5061D9AD294}"/>
               </a:ext>
             </a:extLst>
           </p:cNvPr>
@@ -1862,7 +1862,7 @@
           <a:bodyPr/>
           <a:lstStyle/>
           <a:p>
-            <a:fld id="{C839FAEE-70CE-4640-9796-72CA74BC8A2D}" type="slidenum">
+            <a:fld id="{A02D3F50-F1DA-4B9C-8512-A0B21D8DD307}" type="slidenum">
               <a:rPr lang="zh-CN" altLang="en-US" smtClean="0"/>
               <a:t>‹#›</a:t>
             </a:fld>
@@ -1873,7 +1873,7 @@
     </p:spTree>
     <p:extLst>
       <p:ext uri="{BB962C8B-B14F-4D97-AF65-F5344CB8AC3E}">
-        <p14:creationId xmlns:p14="http://schemas.microsoft.com/office/powerpoint/2010/main" val="1273243935"/>
+        <p14:creationId xmlns:p14="http://schemas.microsoft.com/office/powerpoint/2010/main" val="362009789"/>
       </p:ext>
     </p:extLst>
   </p:cSld>
@@ -1905,7 +1905,7 @@
           <p:cNvPr id="2" name="标题 1">
             <a:extLst>
               <a:ext uri="{FF2B5EF4-FFF2-40B4-BE49-F238E27FC236}">
-                <a16:creationId xmlns:a16="http://schemas.microsoft.com/office/drawing/2014/main" id="{D3B874F1-E401-1B71-B714-10D339C71939}"/>
+                <a16:creationId xmlns:a16="http://schemas.microsoft.com/office/drawing/2014/main" id="{1949E4A5-4D1E-1E2F-57F0-A41B7FC7464A}"/>
               </a:ext>
             </a:extLst>
           </p:cNvPr>
@@ -1933,7 +1933,7 @@
           <p:cNvPr id="3" name="日期占位符 2">
             <a:extLst>
               <a:ext uri="{FF2B5EF4-FFF2-40B4-BE49-F238E27FC236}">
-                <a16:creationId xmlns:a16="http://schemas.microsoft.com/office/drawing/2014/main" id="{C256E664-C0C4-AD0A-C42D-9B166738EB45}"/>
+                <a16:creationId xmlns:a16="http://schemas.microsoft.com/office/drawing/2014/main" id="{5440F255-D3A1-5978-E537-CCF63EB42C61}"/>
               </a:ext>
             </a:extLst>
           </p:cNvPr>
@@ -1949,7 +1949,7 @@
           <a:bodyPr/>
           <a:lstStyle/>
           <a:p>
-            <a:fld id="{10F4A9CA-1886-4D15-96C1-0608A9A83042}" type="datetimeFigureOut">
+            <a:fld id="{7357C7DE-D3DA-4DC5-B0DD-97060607020B}" type="datetimeFigureOut">
               <a:rPr lang="zh-CN" altLang="en-US" smtClean="0"/>
               <a:t>2024/3/10</a:t>
             </a:fld>
@@ -1962,7 +1962,7 @@
           <p:cNvPr id="4" name="页脚占位符 3">
             <a:extLst>
               <a:ext uri="{FF2B5EF4-FFF2-40B4-BE49-F238E27FC236}">
-                <a16:creationId xmlns:a16="http://schemas.microsoft.com/office/drawing/2014/main" id="{01DB0A1A-6128-44EA-FB32-36FC66E10637}"/>
+                <a16:creationId xmlns:a16="http://schemas.microsoft.com/office/drawing/2014/main" id="{BAD5FACE-18C7-4FE4-93E5-A0FD1B27E8D2}"/>
               </a:ext>
             </a:extLst>
           </p:cNvPr>
@@ -1987,7 +1987,7 @@
           <p:cNvPr id="5" name="灯片编号占位符 4">
             <a:extLst>
               <a:ext uri="{FF2B5EF4-FFF2-40B4-BE49-F238E27FC236}">
-                <a16:creationId xmlns:a16="http://schemas.microsoft.com/office/drawing/2014/main" id="{8E94643A-8563-38CB-723B-58082FB522E7}"/>
+                <a16:creationId xmlns:a16="http://schemas.microsoft.com/office/drawing/2014/main" id="{B649DE9E-2B41-57D2-6C87-1A20C6751B6B}"/>
               </a:ext>
             </a:extLst>
           </p:cNvPr>
@@ -2003,7 +2003,7 @@
           <a:bodyPr/>
           <a:lstStyle/>
           <a:p>
-            <a:fld id="{C839FAEE-70CE-4640-9796-72CA74BC8A2D}" type="slidenum">
+            <a:fld id="{A02D3F50-F1DA-4B9C-8512-A0B21D8DD307}" type="slidenum">
               <a:rPr lang="zh-CN" altLang="en-US" smtClean="0"/>
               <a:t>‹#›</a:t>
             </a:fld>
@@ -2014,7 +2014,7 @@
     </p:spTree>
     <p:extLst>
       <p:ext uri="{BB962C8B-B14F-4D97-AF65-F5344CB8AC3E}">
-        <p14:creationId xmlns:p14="http://schemas.microsoft.com/office/powerpoint/2010/main" val="3325360083"/>
+        <p14:creationId xmlns:p14="http://schemas.microsoft.com/office/powerpoint/2010/main" val="368823608"/>
       </p:ext>
     </p:extLst>
   </p:cSld>
@@ -2046,7 +2046,7 @@
           <p:cNvPr id="2" name="日期占位符 1">
             <a:extLst>
               <a:ext uri="{FF2B5EF4-FFF2-40B4-BE49-F238E27FC236}">
-                <a16:creationId xmlns:a16="http://schemas.microsoft.com/office/drawing/2014/main" id="{92638B7B-A89B-401F-E077-8F9DEDEF7F7D}"/>
+                <a16:creationId xmlns:a16="http://schemas.microsoft.com/office/drawing/2014/main" id="{E07F4C60-0D1C-FAB5-8195-EA9CE7422349}"/>
               </a:ext>
             </a:extLst>
           </p:cNvPr>
@@ -2062,7 +2062,7 @@
           <a:bodyPr/>
           <a:lstStyle/>
           <a:p>
-            <a:fld id="{10F4A9CA-1886-4D15-96C1-0608A9A83042}" type="datetimeFigureOut">
+            <a:fld id="{7357C7DE-D3DA-4DC5-B0DD-97060607020B}" type="datetimeFigureOut">
               <a:rPr lang="zh-CN" altLang="en-US" smtClean="0"/>
               <a:t>2024/3/10</a:t>
             </a:fld>
@@ -2075,7 +2075,7 @@
           <p:cNvPr id="3" name="页脚占位符 2">
             <a:extLst>
               <a:ext uri="{FF2B5EF4-FFF2-40B4-BE49-F238E27FC236}">
-                <a16:creationId xmlns:a16="http://schemas.microsoft.com/office/drawing/2014/main" id="{A11BDDA5-4EBD-BAA8-8D32-F245D0A105A7}"/>
+                <a16:creationId xmlns:a16="http://schemas.microsoft.com/office/drawing/2014/main" id="{58152E5C-83BB-F3D4-D595-7F9CCEB7BBC9}"/>
               </a:ext>
             </a:extLst>
           </p:cNvPr>
@@ -2100,7 +2100,7 @@
           <p:cNvPr id="4" name="灯片编号占位符 3">
             <a:extLst>
               <a:ext uri="{FF2B5EF4-FFF2-40B4-BE49-F238E27FC236}">
-                <a16:creationId xmlns:a16="http://schemas.microsoft.com/office/drawing/2014/main" id="{37323922-8C35-5EA0-D2E4-A3A105AF3542}"/>
+                <a16:creationId xmlns:a16="http://schemas.microsoft.com/office/drawing/2014/main" id="{3217D0C5-3189-1342-E9F3-BC1A30E9D897}"/>
               </a:ext>
             </a:extLst>
           </p:cNvPr>
@@ -2116,7 +2116,7 @@
           <a:bodyPr/>
           <a:lstStyle/>
           <a:p>
-            <a:fld id="{C839FAEE-70CE-4640-9796-72CA74BC8A2D}" type="slidenum">
+            <a:fld id="{A02D3F50-F1DA-4B9C-8512-A0B21D8DD307}" type="slidenum">
               <a:rPr lang="zh-CN" altLang="en-US" smtClean="0"/>
               <a:t>‹#›</a:t>
             </a:fld>
@@ -2127,7 +2127,7 @@
     </p:spTree>
     <p:extLst>
       <p:ext uri="{BB962C8B-B14F-4D97-AF65-F5344CB8AC3E}">
-        <p14:creationId xmlns:p14="http://schemas.microsoft.com/office/powerpoint/2010/main" val="509065944"/>
+        <p14:creationId xmlns:p14="http://schemas.microsoft.com/office/powerpoint/2010/main" val="3568881569"/>
       </p:ext>
     </p:extLst>
   </p:cSld>
@@ -2159,7 +2159,7 @@
           <p:cNvPr id="2" name="标题 1">
             <a:extLst>
               <a:ext uri="{FF2B5EF4-FFF2-40B4-BE49-F238E27FC236}">
-                <a16:creationId xmlns:a16="http://schemas.microsoft.com/office/drawing/2014/main" id="{EDAD09F6-CD8E-EBCC-F231-927FB415860F}"/>
+                <a16:creationId xmlns:a16="http://schemas.microsoft.com/office/drawing/2014/main" id="{CE456212-D33D-76E4-C76D-4E66C4BF94FD}"/>
               </a:ext>
             </a:extLst>
           </p:cNvPr>
@@ -2196,7 +2196,7 @@
           <p:cNvPr id="3" name="内容占位符 2">
             <a:extLst>
               <a:ext uri="{FF2B5EF4-FFF2-40B4-BE49-F238E27FC236}">
-                <a16:creationId xmlns:a16="http://schemas.microsoft.com/office/drawing/2014/main" id="{68883BEF-580B-626A-B8E8-2CC48B8E6ED6}"/>
+                <a16:creationId xmlns:a16="http://schemas.microsoft.com/office/drawing/2014/main" id="{D550DD16-49EB-BC30-1776-B4B9BEACC6E8}"/>
               </a:ext>
             </a:extLst>
           </p:cNvPr>
@@ -2286,7 +2286,7 @@
           <p:cNvPr id="4" name="文本占位符 3">
             <a:extLst>
               <a:ext uri="{FF2B5EF4-FFF2-40B4-BE49-F238E27FC236}">
-                <a16:creationId xmlns:a16="http://schemas.microsoft.com/office/drawing/2014/main" id="{217186C3-1907-5A18-0FA3-C4A2175E13B3}"/>
+                <a16:creationId xmlns:a16="http://schemas.microsoft.com/office/drawing/2014/main" id="{380236D8-EBAF-10C9-8445-32E18184F9B8}"/>
               </a:ext>
             </a:extLst>
           </p:cNvPr>
@@ -2357,7 +2357,7 @@
           <p:cNvPr id="5" name="日期占位符 4">
             <a:extLst>
               <a:ext uri="{FF2B5EF4-FFF2-40B4-BE49-F238E27FC236}">
-                <a16:creationId xmlns:a16="http://schemas.microsoft.com/office/drawing/2014/main" id="{9E617B1D-9A85-3E94-6F37-0A4BA4684A7B}"/>
+                <a16:creationId xmlns:a16="http://schemas.microsoft.com/office/drawing/2014/main" id="{280C8F75-65E7-7F7E-6B5C-30C4195100FE}"/>
               </a:ext>
             </a:extLst>
           </p:cNvPr>
@@ -2373,7 +2373,7 @@
           <a:bodyPr/>
           <a:lstStyle/>
           <a:p>
-            <a:fld id="{10F4A9CA-1886-4D15-96C1-0608A9A83042}" type="datetimeFigureOut">
+            <a:fld id="{7357C7DE-D3DA-4DC5-B0DD-97060607020B}" type="datetimeFigureOut">
               <a:rPr lang="zh-CN" altLang="en-US" smtClean="0"/>
               <a:t>2024/3/10</a:t>
             </a:fld>
@@ -2386,7 +2386,7 @@
           <p:cNvPr id="6" name="页脚占位符 5">
             <a:extLst>
               <a:ext uri="{FF2B5EF4-FFF2-40B4-BE49-F238E27FC236}">
-                <a16:creationId xmlns:a16="http://schemas.microsoft.com/office/drawing/2014/main" id="{AE47F01D-63AA-D500-3EAD-CA6A70BA58CE}"/>
+                <a16:creationId xmlns:a16="http://schemas.microsoft.com/office/drawing/2014/main" id="{73218511-3FEF-7FD1-B127-E3C7B32C2189}"/>
               </a:ext>
             </a:extLst>
           </p:cNvPr>
@@ -2411,7 +2411,7 @@
           <p:cNvPr id="7" name="灯片编号占位符 6">
             <a:extLst>
               <a:ext uri="{FF2B5EF4-FFF2-40B4-BE49-F238E27FC236}">
-                <a16:creationId xmlns:a16="http://schemas.microsoft.com/office/drawing/2014/main" id="{FE2C17D5-CA2E-6997-8C74-64087AF5F599}"/>
+                <a16:creationId xmlns:a16="http://schemas.microsoft.com/office/drawing/2014/main" id="{46EA273B-196D-94C5-02C5-E26A7B7BD4F7}"/>
               </a:ext>
             </a:extLst>
           </p:cNvPr>
@@ -2427,7 +2427,7 @@
           <a:bodyPr/>
           <a:lstStyle/>
           <a:p>
-            <a:fld id="{C839FAEE-70CE-4640-9796-72CA74BC8A2D}" type="slidenum">
+            <a:fld id="{A02D3F50-F1DA-4B9C-8512-A0B21D8DD307}" type="slidenum">
               <a:rPr lang="zh-CN" altLang="en-US" smtClean="0"/>
               <a:t>‹#›</a:t>
             </a:fld>
@@ -2438,7 +2438,7 @@
     </p:spTree>
     <p:extLst>
       <p:ext uri="{BB962C8B-B14F-4D97-AF65-F5344CB8AC3E}">
-        <p14:creationId xmlns:p14="http://schemas.microsoft.com/office/powerpoint/2010/main" val="1786208499"/>
+        <p14:creationId xmlns:p14="http://schemas.microsoft.com/office/powerpoint/2010/main" val="3602264454"/>
       </p:ext>
     </p:extLst>
   </p:cSld>
@@ -2470,7 +2470,7 @@
           <p:cNvPr id="2" name="标题 1">
             <a:extLst>
               <a:ext uri="{FF2B5EF4-FFF2-40B4-BE49-F238E27FC236}">
-                <a16:creationId xmlns:a16="http://schemas.microsoft.com/office/drawing/2014/main" id="{2F5448B0-5F54-D638-FC82-5D789B21EE55}"/>
+                <a16:creationId xmlns:a16="http://schemas.microsoft.com/office/drawing/2014/main" id="{E47F10AD-2D99-CF20-95F6-4F01E70F2416}"/>
               </a:ext>
             </a:extLst>
           </p:cNvPr>
@@ -2507,7 +2507,7 @@
           <p:cNvPr id="3" name="图片占位符 2">
             <a:extLst>
               <a:ext uri="{FF2B5EF4-FFF2-40B4-BE49-F238E27FC236}">
-                <a16:creationId xmlns:a16="http://schemas.microsoft.com/office/drawing/2014/main" id="{AD6F2933-8DC8-54D3-BD59-FA6F0E734132}"/>
+                <a16:creationId xmlns:a16="http://schemas.microsoft.com/office/drawing/2014/main" id="{75DF7CDB-26E7-DDAC-C88E-5F0B6EE3DF6F}"/>
               </a:ext>
             </a:extLst>
           </p:cNvPr>
@@ -2574,7 +2574,7 @@
           <p:cNvPr id="4" name="文本占位符 3">
             <a:extLst>
               <a:ext uri="{FF2B5EF4-FFF2-40B4-BE49-F238E27FC236}">
-                <a16:creationId xmlns:a16="http://schemas.microsoft.com/office/drawing/2014/main" id="{DAE1A940-33D0-60C5-A692-0712D7843C80}"/>
+                <a16:creationId xmlns:a16="http://schemas.microsoft.com/office/drawing/2014/main" id="{086516C1-9BF0-7FB2-9ED8-BA6692115C1E}"/>
               </a:ext>
             </a:extLst>
           </p:cNvPr>
@@ -2645,7 +2645,7 @@
           <p:cNvPr id="5" name="日期占位符 4">
             <a:extLst>
               <a:ext uri="{FF2B5EF4-FFF2-40B4-BE49-F238E27FC236}">
-                <a16:creationId xmlns:a16="http://schemas.microsoft.com/office/drawing/2014/main" id="{3FD51C7B-6332-BC7D-45CD-181392F6F246}"/>
+                <a16:creationId xmlns:a16="http://schemas.microsoft.com/office/drawing/2014/main" id="{CA23AB20-4FCB-0420-0CBF-6A37DFF128F4}"/>
               </a:ext>
             </a:extLst>
           </p:cNvPr>
@@ -2661,7 +2661,7 @@
           <a:bodyPr/>
           <a:lstStyle/>
           <a:p>
-            <a:fld id="{10F4A9CA-1886-4D15-96C1-0608A9A83042}" type="datetimeFigureOut">
+            <a:fld id="{7357C7DE-D3DA-4DC5-B0DD-97060607020B}" type="datetimeFigureOut">
               <a:rPr lang="zh-CN" altLang="en-US" smtClean="0"/>
               <a:t>2024/3/10</a:t>
             </a:fld>
@@ -2674,7 +2674,7 @@
           <p:cNvPr id="6" name="页脚占位符 5">
             <a:extLst>
               <a:ext uri="{FF2B5EF4-FFF2-40B4-BE49-F238E27FC236}">
-                <a16:creationId xmlns:a16="http://schemas.microsoft.com/office/drawing/2014/main" id="{F41DC309-9486-F4A4-41BA-728F8418C84D}"/>
+                <a16:creationId xmlns:a16="http://schemas.microsoft.com/office/drawing/2014/main" id="{024C0622-2DEB-FBAA-625F-4D48DD2D7A6C}"/>
               </a:ext>
             </a:extLst>
           </p:cNvPr>
@@ -2699,7 +2699,7 @@
           <p:cNvPr id="7" name="灯片编号占位符 6">
             <a:extLst>
               <a:ext uri="{FF2B5EF4-FFF2-40B4-BE49-F238E27FC236}">
-                <a16:creationId xmlns:a16="http://schemas.microsoft.com/office/drawing/2014/main" id="{5F7B3705-D3B3-02A8-D682-3FF2BC9417D5}"/>
+                <a16:creationId xmlns:a16="http://schemas.microsoft.com/office/drawing/2014/main" id="{95CB4037-FEB6-DB99-8C35-CF5900EA76CF}"/>
               </a:ext>
             </a:extLst>
           </p:cNvPr>
@@ -2715,7 +2715,7 @@
           <a:bodyPr/>
           <a:lstStyle/>
           <a:p>
-            <a:fld id="{C839FAEE-70CE-4640-9796-72CA74BC8A2D}" type="slidenum">
+            <a:fld id="{A02D3F50-F1DA-4B9C-8512-A0B21D8DD307}" type="slidenum">
               <a:rPr lang="zh-CN" altLang="en-US" smtClean="0"/>
               <a:t>‹#›</a:t>
             </a:fld>
@@ -2726,7 +2726,7 @@
     </p:spTree>
     <p:extLst>
       <p:ext uri="{BB962C8B-B14F-4D97-AF65-F5344CB8AC3E}">
-        <p14:creationId xmlns:p14="http://schemas.microsoft.com/office/powerpoint/2010/main" val="1808783640"/>
+        <p14:creationId xmlns:p14="http://schemas.microsoft.com/office/powerpoint/2010/main" val="735860665"/>
       </p:ext>
     </p:extLst>
   </p:cSld>
@@ -2763,7 +2763,7 @@
           <p:cNvPr id="2" name="标题占位符 1">
             <a:extLst>
               <a:ext uri="{FF2B5EF4-FFF2-40B4-BE49-F238E27FC236}">
-                <a16:creationId xmlns:a16="http://schemas.microsoft.com/office/drawing/2014/main" id="{D76DE7D0-5EA1-A37E-4AC1-5798FA37F4A4}"/>
+                <a16:creationId xmlns:a16="http://schemas.microsoft.com/office/drawing/2014/main" id="{21B437AF-F38C-DA38-6B57-42E3AB113B8E}"/>
               </a:ext>
             </a:extLst>
           </p:cNvPr>
@@ -2801,7 +2801,7 @@
           <p:cNvPr id="3" name="文本占位符 2">
             <a:extLst>
               <a:ext uri="{FF2B5EF4-FFF2-40B4-BE49-F238E27FC236}">
-                <a16:creationId xmlns:a16="http://schemas.microsoft.com/office/drawing/2014/main" id="{C9F2F402-4DA0-3FFA-E88E-47CF68D4FB10}"/>
+                <a16:creationId xmlns:a16="http://schemas.microsoft.com/office/drawing/2014/main" id="{63F3E424-74F4-1976-7EE9-581CB5B91873}"/>
               </a:ext>
             </a:extLst>
           </p:cNvPr>
@@ -2868,7 +2868,7 @@
           <p:cNvPr id="4" name="日期占位符 3">
             <a:extLst>
               <a:ext uri="{FF2B5EF4-FFF2-40B4-BE49-F238E27FC236}">
-                <a16:creationId xmlns:a16="http://schemas.microsoft.com/office/drawing/2014/main" id="{7619B304-1652-5DBF-666D-B11A080CF91C}"/>
+                <a16:creationId xmlns:a16="http://schemas.microsoft.com/office/drawing/2014/main" id="{5102F06B-B674-E149-F2E0-ADF9B2F7A94E}"/>
               </a:ext>
             </a:extLst>
           </p:cNvPr>
@@ -2902,7 +2902,7 @@
             </a:lvl1pPr>
           </a:lstStyle>
           <a:p>
-            <a:fld id="{10F4A9CA-1886-4D15-96C1-0608A9A83042}" type="datetimeFigureOut">
+            <a:fld id="{7357C7DE-D3DA-4DC5-B0DD-97060607020B}" type="datetimeFigureOut">
               <a:rPr lang="zh-CN" altLang="en-US" smtClean="0"/>
               <a:t>2024/3/10</a:t>
             </a:fld>
@@ -2915,7 +2915,7 @@
           <p:cNvPr id="5" name="页脚占位符 4">
             <a:extLst>
               <a:ext uri="{FF2B5EF4-FFF2-40B4-BE49-F238E27FC236}">
-                <a16:creationId xmlns:a16="http://schemas.microsoft.com/office/drawing/2014/main" id="{1B41413E-1635-7862-CF82-E4FA57C7EF98}"/>
+                <a16:creationId xmlns:a16="http://schemas.microsoft.com/office/drawing/2014/main" id="{1E5BEF77-EF44-A3C5-BA79-5C8001A3C268}"/>
               </a:ext>
             </a:extLst>
           </p:cNvPr>
@@ -2958,7 +2958,7 @@
           <p:cNvPr id="6" name="灯片编号占位符 5">
             <a:extLst>
               <a:ext uri="{FF2B5EF4-FFF2-40B4-BE49-F238E27FC236}">
-                <a16:creationId xmlns:a16="http://schemas.microsoft.com/office/drawing/2014/main" id="{995F85E9-68EE-0F79-F526-62B3E6374DA7}"/>
+                <a16:creationId xmlns:a16="http://schemas.microsoft.com/office/drawing/2014/main" id="{F5780FFE-1CF5-842B-83FC-021158D44DE5}"/>
               </a:ext>
             </a:extLst>
           </p:cNvPr>
@@ -2992,7 +2992,7 @@
             </a:lvl1pPr>
           </a:lstStyle>
           <a:p>
-            <a:fld id="{C839FAEE-70CE-4640-9796-72CA74BC8A2D}" type="slidenum">
+            <a:fld id="{A02D3F50-F1DA-4B9C-8512-A0B21D8DD307}" type="slidenum">
               <a:rPr lang="zh-CN" altLang="en-US" smtClean="0"/>
               <a:t>‹#›</a:t>
             </a:fld>
@@ -3003,7 +3003,7 @@
     </p:spTree>
     <p:extLst>
       <p:ext uri="{BB962C8B-B14F-4D97-AF65-F5344CB8AC3E}">
-        <p14:creationId xmlns:p14="http://schemas.microsoft.com/office/powerpoint/2010/main" val="138699512"/>
+        <p14:creationId xmlns:p14="http://schemas.microsoft.com/office/powerpoint/2010/main" val="976239197"/>
       </p:ext>
     </p:extLst>
   </p:cSld>
@@ -3323,7 +3323,7 @@
       </p:grpSpPr>
       <p:pic>
         <p:nvPicPr>
-          <p:cNvPr id="532482" name="Picture 2" descr="519"/>
+          <p:cNvPr id="533506" name="Picture 2" descr="520"/>
           <p:cNvPicPr>
             <a:picLocks noChangeAspect="1" noChangeArrowheads="1"/>
           </p:cNvPicPr>
@@ -3344,8 +3344,8 @@
         </p:blipFill>
         <p:spPr bwMode="auto">
           <a:xfrm>
-            <a:off x="1543050" y="14288"/>
-            <a:ext cx="9124950" cy="6843712"/>
+            <a:off x="1524000" y="0"/>
+            <a:ext cx="9144000" cy="6858000"/>
           </a:xfrm>
           <a:prstGeom prst="rect">
             <a:avLst/>
@@ -3375,11 +3375,158 @@
           </a:extLst>
         </p:spPr>
       </p:pic>
+      <p:pic>
+        <p:nvPicPr>
+          <p:cNvPr id="534531" name="Picture 3" descr="520-2"/>
+          <p:cNvPicPr>
+            <a:picLocks noChangeAspect="1" noChangeArrowheads="1"/>
+          </p:cNvPicPr>
+          <p:nvPr/>
+        </p:nvPicPr>
+        <p:blipFill>
+          <a:blip r:embed="rId3">
+            <a:extLst>
+              <a:ext uri="{28A0092B-C50C-407E-A947-70E740481C1C}">
+                <a14:useLocalDpi xmlns:a14="http://schemas.microsoft.com/office/drawing/2010/main" val="0"/>
+              </a:ext>
+            </a:extLst>
+          </a:blip>
+          <a:srcRect/>
+          <a:stretch>
+            <a:fillRect/>
+          </a:stretch>
+        </p:blipFill>
+        <p:spPr bwMode="auto">
+          <a:xfrm>
+            <a:off x="1524000" y="0"/>
+            <a:ext cx="9144000" cy="6858000"/>
+          </a:xfrm>
+          <a:prstGeom prst="rect">
+            <a:avLst/>
+          </a:prstGeom>
+          <a:noFill/>
+          <a:ln>
+            <a:noFill/>
+          </a:ln>
+          <a:effectLst/>
+          <a:extLst>
+            <a:ext uri="{909E8E84-426E-40DD-AFC4-6F175D3DCCD1}">
+              <a14:hiddenFill xmlns:a14="http://schemas.microsoft.com/office/drawing/2010/main">
+                <a:solidFill>
+                  <a:srgbClr val="FFFFFF"/>
+                </a:solidFill>
+              </a14:hiddenFill>
+            </a:ext>
+            <a:ext uri="{91240B29-F687-4F45-9708-019B960494DF}">
+              <a14:hiddenLine xmlns:a14="http://schemas.microsoft.com/office/drawing/2010/main" w="9525">
+                <a:solidFill>
+                  <a:srgbClr val="000000"/>
+                </a:solidFill>
+                <a:miter lim="800000"/>
+                <a:headEnd/>
+                <a:tailEnd/>
+              </a14:hiddenLine>
+            </a:ext>
+            <a:ext uri="{AF507438-7753-43E0-B8FC-AC1667EBCBE1}">
+              <a14:hiddenEffects xmlns:a14="http://schemas.microsoft.com/office/drawing/2010/main">
+                <a:effectLst>
+                  <a:outerShdw dist="35921" dir="2700000" algn="ctr" rotWithShape="0">
+                    <a:srgbClr val="808080"/>
+                  </a:outerShdw>
+                </a:effectLst>
+              </a14:hiddenEffects>
+            </a:ext>
+          </a:extLst>
+        </p:spPr>
+      </p:pic>
     </p:spTree>
   </p:cSld>
   <p:clrMapOvr>
     <a:masterClrMapping/>
   </p:clrMapOvr>
+  <p:timing>
+    <p:tnLst>
+      <p:par>
+        <p:cTn id="1" dur="indefinite" restart="never" nodeType="tmRoot">
+          <p:childTnLst>
+            <p:seq concurrent="1" nextAc="seek">
+              <p:cTn id="2" dur="indefinite" nodeType="mainSeq">
+                <p:childTnLst>
+                  <p:par>
+                    <p:cTn id="3" fill="hold" nodeType="clickPar">
+                      <p:stCondLst>
+                        <p:cond delay="indefinite"/>
+                      </p:stCondLst>
+                      <p:childTnLst>
+                        <p:par>
+                          <p:cTn id="4" fill="hold" nodeType="withGroup">
+                            <p:stCondLst>
+                              <p:cond delay="0"/>
+                            </p:stCondLst>
+                            <p:childTnLst>
+                              <p:par>
+                                <p:cTn id="5" presetID="10" presetClass="entr" presetSubtype="0" fill="hold" nodeType="clickEffect">
+                                  <p:stCondLst>
+                                    <p:cond delay="0"/>
+                                  </p:stCondLst>
+                                  <p:childTnLst>
+                                    <p:set>
+                                      <p:cBhvr>
+                                        <p:cTn id="6" dur="1" fill="hold">
+                                          <p:stCondLst>
+                                            <p:cond delay="0"/>
+                                          </p:stCondLst>
+                                        </p:cTn>
+                                        <p:tgtEl>
+                                          <p:spTgt spid="534531"/>
+                                        </p:tgtEl>
+                                        <p:attrNameLst>
+                                          <p:attrName>style.visibility</p:attrName>
+                                        </p:attrNameLst>
+                                      </p:cBhvr>
+                                      <p:to>
+                                        <p:strVal val="visible"/>
+                                      </p:to>
+                                    </p:set>
+                                    <p:animEffect transition="in" filter="fade">
+                                      <p:cBhvr>
+                                        <p:cTn id="7" dur="500"/>
+                                        <p:tgtEl>
+                                          <p:spTgt spid="534531"/>
+                                        </p:tgtEl>
+                                      </p:cBhvr>
+                                    </p:animEffect>
+                                  </p:childTnLst>
+                                </p:cTn>
+                              </p:par>
+                            </p:childTnLst>
+                          </p:cTn>
+                        </p:par>
+                      </p:childTnLst>
+                    </p:cTn>
+                  </p:par>
+                </p:childTnLst>
+              </p:cTn>
+              <p:prevCondLst>
+                <p:cond evt="onPrev" delay="0">
+                  <p:tgtEl>
+                    <p:sldTgt/>
+                  </p:tgtEl>
+                </p:cond>
+              </p:prevCondLst>
+              <p:nextCondLst>
+                <p:cond evt="onNext" delay="0">
+                  <p:tgtEl>
+                    <p:sldTgt/>
+                  </p:tgtEl>
+                </p:cond>
+              </p:nextCondLst>
+            </p:seq>
+          </p:childTnLst>
+        </p:cTn>
+      </p:par>
+    </p:tnLst>
+  </p:timing>
 </p:sld>
 </file>
 
